--- a/Presentation.pptx
+++ b/Presentation.pptx
@@ -5,11 +5,14 @@
     <p:sldMasterId id="2147483648" r:id="rId1"/>
   </p:sldMasterIdLst>
   <p:sldIdLst>
-    <p:sldId id="256" r:id="rId2"/>
-    <p:sldId id="257" r:id="rId3"/>
-    <p:sldId id="258" r:id="rId4"/>
-    <p:sldId id="259" r:id="rId5"/>
-    <p:sldId id="260" r:id="rId6"/>
+    <p:sldId id="263" r:id="rId2"/>
+    <p:sldId id="256" r:id="rId3"/>
+    <p:sldId id="257" r:id="rId4"/>
+    <p:sldId id="258" r:id="rId5"/>
+    <p:sldId id="262" r:id="rId6"/>
+    <p:sldId id="259" r:id="rId7"/>
+    <p:sldId id="260" r:id="rId8"/>
+    <p:sldId id="261" r:id="rId9"/>
   </p:sldIdLst>
   <p:sldSz cx="12192000" cy="6858000"/>
   <p:notesSz cx="6858000" cy="9144000"/>
@@ -3346,56 +3349,74 @@
           <a:chExt cx="0" cy="0"/>
         </a:xfrm>
       </p:grpSpPr>
-      <p:sp>
-        <p:nvSpPr>
-          <p:cNvPr id="2" name="Title 1">
-            <a:extLst>
-              <a:ext uri="{FF2B5EF4-FFF2-40B4-BE49-F238E27FC236}">
-                <a16:creationId xmlns:a16="http://schemas.microsoft.com/office/drawing/2014/main" id="{F7A90D4A-4319-8648-C6D5-0381D4A1F2EA}"/>
-              </a:ext>
-            </a:extLst>
-          </p:cNvPr>
-          <p:cNvSpPr>
-            <a:spLocks noGrp="1"/>
-          </p:cNvSpPr>
-          <p:nvPr>
-            <p:ph type="ctrTitle"/>
-          </p:nvPr>
-        </p:nvSpPr>
-        <p:spPr/>
-        <p:txBody>
-          <a:bodyPr/>
-          <a:lstStyle/>
-          <a:p>
-            <a:endParaRPr lang="en-GB"/>
-          </a:p>
-        </p:txBody>
-      </p:sp>
-      <p:sp>
-        <p:nvSpPr>
-          <p:cNvPr id="3" name="Subtitle 2">
-            <a:extLst>
-              <a:ext uri="{FF2B5EF4-FFF2-40B4-BE49-F238E27FC236}">
-                <a16:creationId xmlns:a16="http://schemas.microsoft.com/office/drawing/2014/main" id="{74CCC0D6-7DF5-6E41-6932-CC73C8A38E3F}"/>
-              </a:ext>
-            </a:extLst>
-          </p:cNvPr>
-          <p:cNvSpPr>
-            <a:spLocks noGrp="1"/>
-          </p:cNvSpPr>
-          <p:nvPr>
-            <p:ph type="subTitle" idx="1"/>
-          </p:nvPr>
-        </p:nvSpPr>
-        <p:spPr/>
-        <p:txBody>
-          <a:bodyPr/>
-          <a:lstStyle/>
-          <a:p>
-            <a:endParaRPr lang="en-GB"/>
-          </a:p>
-        </p:txBody>
-      </p:sp>
+      <p:pic>
+        <p:nvPicPr>
+          <p:cNvPr id="5" name="Picture 4">
+            <a:extLst>
+              <a:ext uri="{FF2B5EF4-FFF2-40B4-BE49-F238E27FC236}">
+                <a16:creationId xmlns:a16="http://schemas.microsoft.com/office/drawing/2014/main" id="{FB86C097-20A8-2D27-372D-2381F22938E5}"/>
+              </a:ext>
+            </a:extLst>
+          </p:cNvPr>
+          <p:cNvPicPr>
+            <a:picLocks noChangeAspect="1"/>
+          </p:cNvPicPr>
+          <p:nvPr/>
+        </p:nvPicPr>
+        <p:blipFill>
+          <a:blip r:embed="rId2"/>
+          <a:stretch>
+            <a:fillRect/>
+          </a:stretch>
+        </p:blipFill>
+        <p:spPr>
+          <a:xfrm>
+            <a:off x="2300523" y="107958"/>
+            <a:ext cx="7590953" cy="6642084"/>
+          </a:xfrm>
+          <a:prstGeom prst="rect">
+            <a:avLst/>
+          </a:prstGeom>
+        </p:spPr>
+      </p:pic>
+    </p:spTree>
+    <p:extLst>
+      <p:ext uri="{BB962C8B-B14F-4D97-AF65-F5344CB8AC3E}">
+        <p14:creationId xmlns:p14="http://schemas.microsoft.com/office/powerpoint/2010/main" val="3897075703"/>
+      </p:ext>
+    </p:extLst>
+  </p:cSld>
+  <p:clrMapOvr>
+    <a:masterClrMapping/>
+  </p:clrMapOvr>
+</p:sld>
+</file>
+
+<file path=ppt/slides/slide2.xml><?xml version="1.0" encoding="utf-8"?>
+<p:sld xmlns:a="http://schemas.openxmlformats.org/drawingml/2006/main" xmlns:r="http://schemas.openxmlformats.org/officeDocument/2006/relationships" xmlns:p="http://schemas.openxmlformats.org/presentationml/2006/main">
+  <p:cSld>
+    <p:bg>
+      <p:bgPr>
+        <a:solidFill>
+          <a:srgbClr val="1E1E1E"/>
+        </a:solidFill>
+        <a:effectLst/>
+      </p:bgPr>
+    </p:bg>
+    <p:spTree>
+      <p:nvGrpSpPr>
+        <p:cNvPr id="1" name=""/>
+        <p:cNvGrpSpPr/>
+        <p:nvPr/>
+      </p:nvGrpSpPr>
+      <p:grpSpPr>
+        <a:xfrm>
+          <a:off x="0" y="0"/>
+          <a:ext cx="0" cy="0"/>
+          <a:chOff x="0" y="0"/>
+          <a:chExt cx="0" cy="0"/>
+        </a:xfrm>
+      </p:grpSpPr>
       <p:pic>
         <p:nvPicPr>
           <p:cNvPr id="7" name="Picture 6">
@@ -3439,7 +3460,7 @@
 </p:sld>
 </file>
 
-<file path=ppt/slides/slide2.xml><?xml version="1.0" encoding="utf-8"?>
+<file path=ppt/slides/slide3.xml><?xml version="1.0" encoding="utf-8"?>
 <p:sld xmlns:a="http://schemas.openxmlformats.org/drawingml/2006/main" xmlns:r="http://schemas.openxmlformats.org/officeDocument/2006/relationships" xmlns:p="http://schemas.openxmlformats.org/presentationml/2006/main">
   <p:cSld>
     <p:spTree>
@@ -3549,7 +3570,7 @@
 </p:sld>
 </file>
 
-<file path=ppt/slides/slide3.xml><?xml version="1.0" encoding="utf-8"?>
+<file path=ppt/slides/slide4.xml><?xml version="1.0" encoding="utf-8"?>
 <p:sld xmlns:a="http://schemas.openxmlformats.org/drawingml/2006/main" xmlns:r="http://schemas.openxmlformats.org/officeDocument/2006/relationships" xmlns:p="http://schemas.openxmlformats.org/presentationml/2006/main">
   <p:cSld>
     <p:spTree>
@@ -3566,56 +3587,6 @@
           <a:chExt cx="0" cy="0"/>
         </a:xfrm>
       </p:grpSpPr>
-      <p:sp>
-        <p:nvSpPr>
-          <p:cNvPr id="2" name="Title 1">
-            <a:extLst>
-              <a:ext uri="{FF2B5EF4-FFF2-40B4-BE49-F238E27FC236}">
-                <a16:creationId xmlns:a16="http://schemas.microsoft.com/office/drawing/2014/main" id="{3185FE83-F7A7-72A6-1706-16D42AF73A1D}"/>
-              </a:ext>
-            </a:extLst>
-          </p:cNvPr>
-          <p:cNvSpPr>
-            <a:spLocks noGrp="1"/>
-          </p:cNvSpPr>
-          <p:nvPr>
-            <p:ph type="title"/>
-          </p:nvPr>
-        </p:nvSpPr>
-        <p:spPr/>
-        <p:txBody>
-          <a:bodyPr/>
-          <a:lstStyle/>
-          <a:p>
-            <a:endParaRPr lang="en-GB"/>
-          </a:p>
-        </p:txBody>
-      </p:sp>
-      <p:sp>
-        <p:nvSpPr>
-          <p:cNvPr id="3" name="Content Placeholder 2">
-            <a:extLst>
-              <a:ext uri="{FF2B5EF4-FFF2-40B4-BE49-F238E27FC236}">
-                <a16:creationId xmlns:a16="http://schemas.microsoft.com/office/drawing/2014/main" id="{934AB35F-5685-B19A-1F83-895C6089FE93}"/>
-              </a:ext>
-            </a:extLst>
-          </p:cNvPr>
-          <p:cNvSpPr>
-            <a:spLocks noGrp="1"/>
-          </p:cNvSpPr>
-          <p:nvPr>
-            <p:ph idx="1"/>
-          </p:nvPr>
-        </p:nvSpPr>
-        <p:spPr/>
-        <p:txBody>
-          <a:bodyPr/>
-          <a:lstStyle/>
-          <a:p>
-            <a:endParaRPr lang="en-GB"/>
-          </a:p>
-        </p:txBody>
-      </p:sp>
       <p:pic>
         <p:nvPicPr>
           <p:cNvPr id="5" name="Picture 4">
@@ -3659,7 +3630,75 @@
 </p:sld>
 </file>
 
-<file path=ppt/slides/slide4.xml><?xml version="1.0" encoding="utf-8"?>
+<file path=ppt/slides/slide5.xml><?xml version="1.0" encoding="utf-8"?>
+<p:sld xmlns:a="http://schemas.openxmlformats.org/drawingml/2006/main" xmlns:r="http://schemas.openxmlformats.org/officeDocument/2006/relationships" xmlns:p="http://schemas.openxmlformats.org/presentationml/2006/main">
+  <p:cSld>
+    <p:bg>
+      <p:bgPr>
+        <a:solidFill>
+          <a:srgbClr val="1E1E1E"/>
+        </a:solidFill>
+        <a:effectLst/>
+      </p:bgPr>
+    </p:bg>
+    <p:spTree>
+      <p:nvGrpSpPr>
+        <p:cNvPr id="1" name=""/>
+        <p:cNvGrpSpPr/>
+        <p:nvPr/>
+      </p:nvGrpSpPr>
+      <p:grpSpPr>
+        <a:xfrm>
+          <a:off x="0" y="0"/>
+          <a:ext cx="0" cy="0"/>
+          <a:chOff x="0" y="0"/>
+          <a:chExt cx="0" cy="0"/>
+        </a:xfrm>
+      </p:grpSpPr>
+      <p:pic>
+        <p:nvPicPr>
+          <p:cNvPr id="5" name="Picture 4">
+            <a:extLst>
+              <a:ext uri="{FF2B5EF4-FFF2-40B4-BE49-F238E27FC236}">
+                <a16:creationId xmlns:a16="http://schemas.microsoft.com/office/drawing/2014/main" id="{49B32710-2D96-2257-2518-575C2932D78D}"/>
+              </a:ext>
+            </a:extLst>
+          </p:cNvPr>
+          <p:cNvPicPr>
+            <a:picLocks noChangeAspect="1"/>
+          </p:cNvPicPr>
+          <p:nvPr/>
+        </p:nvPicPr>
+        <p:blipFill>
+          <a:blip r:embed="rId2"/>
+          <a:stretch>
+            <a:fillRect/>
+          </a:stretch>
+        </p:blipFill>
+        <p:spPr>
+          <a:xfrm>
+            <a:off x="0" y="1843615"/>
+            <a:ext cx="12192000" cy="3170769"/>
+          </a:xfrm>
+          <a:prstGeom prst="rect">
+            <a:avLst/>
+          </a:prstGeom>
+        </p:spPr>
+      </p:pic>
+    </p:spTree>
+    <p:extLst>
+      <p:ext uri="{BB962C8B-B14F-4D97-AF65-F5344CB8AC3E}">
+        <p14:creationId xmlns:p14="http://schemas.microsoft.com/office/powerpoint/2010/main" val="4236444633"/>
+      </p:ext>
+    </p:extLst>
+  </p:cSld>
+  <p:clrMapOvr>
+    <a:masterClrMapping/>
+  </p:clrMapOvr>
+</p:sld>
+</file>
+
+<file path=ppt/slides/slide6.xml><?xml version="1.0" encoding="utf-8"?>
 <p:sld xmlns:a="http://schemas.openxmlformats.org/drawingml/2006/main" xmlns:r="http://schemas.openxmlformats.org/officeDocument/2006/relationships" xmlns:p="http://schemas.openxmlformats.org/presentationml/2006/main">
   <p:cSld>
     <p:spTree>
@@ -3676,56 +3715,6 @@
           <a:chExt cx="0" cy="0"/>
         </a:xfrm>
       </p:grpSpPr>
-      <p:sp>
-        <p:nvSpPr>
-          <p:cNvPr id="2" name="Title 1">
-            <a:extLst>
-              <a:ext uri="{FF2B5EF4-FFF2-40B4-BE49-F238E27FC236}">
-                <a16:creationId xmlns:a16="http://schemas.microsoft.com/office/drawing/2014/main" id="{445C0423-EEC1-999B-48ED-1DA3A653C356}"/>
-              </a:ext>
-            </a:extLst>
-          </p:cNvPr>
-          <p:cNvSpPr>
-            <a:spLocks noGrp="1"/>
-          </p:cNvSpPr>
-          <p:nvPr>
-            <p:ph type="title"/>
-          </p:nvPr>
-        </p:nvSpPr>
-        <p:spPr/>
-        <p:txBody>
-          <a:bodyPr/>
-          <a:lstStyle/>
-          <a:p>
-            <a:endParaRPr lang="en-GB"/>
-          </a:p>
-        </p:txBody>
-      </p:sp>
-      <p:sp>
-        <p:nvSpPr>
-          <p:cNvPr id="3" name="Content Placeholder 2">
-            <a:extLst>
-              <a:ext uri="{FF2B5EF4-FFF2-40B4-BE49-F238E27FC236}">
-                <a16:creationId xmlns:a16="http://schemas.microsoft.com/office/drawing/2014/main" id="{883DD05E-14F2-1745-15E6-0A44A8F003F5}"/>
-              </a:ext>
-            </a:extLst>
-          </p:cNvPr>
-          <p:cNvSpPr>
-            <a:spLocks noGrp="1"/>
-          </p:cNvSpPr>
-          <p:nvPr>
-            <p:ph idx="1"/>
-          </p:nvPr>
-        </p:nvSpPr>
-        <p:spPr/>
-        <p:txBody>
-          <a:bodyPr/>
-          <a:lstStyle/>
-          <a:p>
-            <a:endParaRPr lang="en-GB"/>
-          </a:p>
-        </p:txBody>
-      </p:sp>
       <p:pic>
         <p:nvPicPr>
           <p:cNvPr id="5" name="Picture 4">
@@ -3769,7 +3758,7 @@
 </p:sld>
 </file>
 
-<file path=ppt/slides/slide5.xml><?xml version="1.0" encoding="utf-8"?>
+<file path=ppt/slides/slide7.xml><?xml version="1.0" encoding="utf-8"?>
 <p:sld xmlns:a="http://schemas.openxmlformats.org/drawingml/2006/main" xmlns:r="http://schemas.openxmlformats.org/officeDocument/2006/relationships" xmlns:p="http://schemas.openxmlformats.org/presentationml/2006/main">
   <p:cSld>
     <p:spTree>
@@ -3786,56 +3775,6 @@
           <a:chExt cx="0" cy="0"/>
         </a:xfrm>
       </p:grpSpPr>
-      <p:sp>
-        <p:nvSpPr>
-          <p:cNvPr id="2" name="Title 1">
-            <a:extLst>
-              <a:ext uri="{FF2B5EF4-FFF2-40B4-BE49-F238E27FC236}">
-                <a16:creationId xmlns:a16="http://schemas.microsoft.com/office/drawing/2014/main" id="{BA2DA2F9-26DF-8061-AFBF-16436B1DD6F9}"/>
-              </a:ext>
-            </a:extLst>
-          </p:cNvPr>
-          <p:cNvSpPr>
-            <a:spLocks noGrp="1"/>
-          </p:cNvSpPr>
-          <p:nvPr>
-            <p:ph type="title"/>
-          </p:nvPr>
-        </p:nvSpPr>
-        <p:spPr/>
-        <p:txBody>
-          <a:bodyPr/>
-          <a:lstStyle/>
-          <a:p>
-            <a:endParaRPr lang="en-GB"/>
-          </a:p>
-        </p:txBody>
-      </p:sp>
-      <p:sp>
-        <p:nvSpPr>
-          <p:cNvPr id="3" name="Content Placeholder 2">
-            <a:extLst>
-              <a:ext uri="{FF2B5EF4-FFF2-40B4-BE49-F238E27FC236}">
-                <a16:creationId xmlns:a16="http://schemas.microsoft.com/office/drawing/2014/main" id="{A4278344-076B-407A-441C-6B656D9649F8}"/>
-              </a:ext>
-            </a:extLst>
-          </p:cNvPr>
-          <p:cNvSpPr>
-            <a:spLocks noGrp="1"/>
-          </p:cNvSpPr>
-          <p:nvPr>
-            <p:ph idx="1"/>
-          </p:nvPr>
-        </p:nvSpPr>
-        <p:spPr/>
-        <p:txBody>
-          <a:bodyPr/>
-          <a:lstStyle/>
-          <a:p>
-            <a:endParaRPr lang="en-GB"/>
-          </a:p>
-        </p:txBody>
-      </p:sp>
       <p:pic>
         <p:nvPicPr>
           <p:cNvPr id="5" name="Picture 4">
@@ -3870,6 +3809,194 @@
     <p:extLst>
       <p:ext uri="{BB962C8B-B14F-4D97-AF65-F5344CB8AC3E}">
         <p14:creationId xmlns:p14="http://schemas.microsoft.com/office/powerpoint/2010/main" val="879717731"/>
+      </p:ext>
+    </p:extLst>
+  </p:cSld>
+  <p:clrMapOvr>
+    <a:masterClrMapping/>
+  </p:clrMapOvr>
+</p:sld>
+</file>
+
+<file path=ppt/slides/slide8.xml><?xml version="1.0" encoding="utf-8"?>
+<p:sld xmlns:a="http://schemas.openxmlformats.org/drawingml/2006/main" xmlns:r="http://schemas.openxmlformats.org/officeDocument/2006/relationships" xmlns:p="http://schemas.openxmlformats.org/presentationml/2006/main">
+  <p:cSld>
+    <p:spTree>
+      <p:nvGrpSpPr>
+        <p:cNvPr id="1" name=""/>
+        <p:cNvGrpSpPr/>
+        <p:nvPr/>
+      </p:nvGrpSpPr>
+      <p:grpSpPr>
+        <a:xfrm>
+          <a:off x="0" y="0"/>
+          <a:ext cx="0" cy="0"/>
+          <a:chOff x="0" y="0"/>
+          <a:chExt cx="0" cy="0"/>
+        </a:xfrm>
+      </p:grpSpPr>
+      <p:pic>
+        <p:nvPicPr>
+          <p:cNvPr id="7" name="Picture 6">
+            <a:extLst>
+              <a:ext uri="{FF2B5EF4-FFF2-40B4-BE49-F238E27FC236}">
+                <a16:creationId xmlns:a16="http://schemas.microsoft.com/office/drawing/2014/main" id="{8A35442F-8D5A-3BD5-1777-1D580FFF166A}"/>
+              </a:ext>
+            </a:extLst>
+          </p:cNvPr>
+          <p:cNvPicPr>
+            <a:picLocks noChangeAspect="1"/>
+          </p:cNvPicPr>
+          <p:nvPr/>
+        </p:nvPicPr>
+        <p:blipFill>
+          <a:blip r:embed="rId2"/>
+          <a:stretch>
+            <a:fillRect/>
+          </a:stretch>
+        </p:blipFill>
+        <p:spPr>
+          <a:xfrm>
+            <a:off x="0" y="1027683"/>
+            <a:ext cx="8452971" cy="4802633"/>
+          </a:xfrm>
+          <a:prstGeom prst="rect">
+            <a:avLst/>
+          </a:prstGeom>
+        </p:spPr>
+      </p:pic>
+      <p:pic>
+        <p:nvPicPr>
+          <p:cNvPr id="9" name="Picture 8">
+            <a:extLst>
+              <a:ext uri="{FF2B5EF4-FFF2-40B4-BE49-F238E27FC236}">
+                <a16:creationId xmlns:a16="http://schemas.microsoft.com/office/drawing/2014/main" id="{D299D0C6-E5B6-FF56-36A0-BD387C354AA8}"/>
+              </a:ext>
+            </a:extLst>
+          </p:cNvPr>
+          <p:cNvPicPr>
+            <a:picLocks noChangeAspect="1"/>
+          </p:cNvPicPr>
+          <p:nvPr/>
+        </p:nvPicPr>
+        <p:blipFill>
+          <a:blip r:embed="rId3"/>
+          <a:stretch>
+            <a:fillRect/>
+          </a:stretch>
+        </p:blipFill>
+        <p:spPr>
+          <a:xfrm>
+            <a:off x="8163095" y="1199284"/>
+            <a:ext cx="927117" cy="4459430"/>
+          </a:xfrm>
+          <a:prstGeom prst="rect">
+            <a:avLst/>
+          </a:prstGeom>
+        </p:spPr>
+      </p:pic>
+      <p:sp>
+        <p:nvSpPr>
+          <p:cNvPr id="10" name="TextBox 9">
+            <a:extLst>
+              <a:ext uri="{FF2B5EF4-FFF2-40B4-BE49-F238E27FC236}">
+                <a16:creationId xmlns:a16="http://schemas.microsoft.com/office/drawing/2014/main" id="{E7FE4777-3F13-2650-1222-916ABFAD1119}"/>
+              </a:ext>
+            </a:extLst>
+          </p:cNvPr>
+          <p:cNvSpPr txBox="1"/>
+          <p:nvPr/>
+        </p:nvSpPr>
+        <p:spPr>
+          <a:xfrm>
+            <a:off x="9063318" y="1434352"/>
+            <a:ext cx="3128682" cy="4108817"/>
+          </a:xfrm>
+          <a:prstGeom prst="rect">
+            <a:avLst/>
+          </a:prstGeom>
+          <a:noFill/>
+        </p:spPr>
+        <p:txBody>
+          <a:bodyPr wrap="square" rtlCol="0">
+            <a:spAutoFit/>
+          </a:bodyPr>
+          <a:lstStyle/>
+          <a:p>
+            <a:r>
+              <a:rPr lang="en-GB" dirty="0"/>
+              <a:t>Low GDP &amp; Low Award</a:t>
+            </a:r>
+          </a:p>
+          <a:p>
+            <a:endParaRPr lang="en-GB" dirty="0"/>
+          </a:p>
+          <a:p>
+            <a:pPr>
+              <a:lnSpc>
+                <a:spcPct val="150000"/>
+              </a:lnSpc>
+            </a:pPr>
+            <a:endParaRPr lang="en-GB" dirty="0"/>
+          </a:p>
+          <a:p>
+            <a:r>
+              <a:rPr lang="en-GB" dirty="0"/>
+              <a:t>Low GDP &amp; High Award</a:t>
+            </a:r>
+          </a:p>
+          <a:p>
+            <a:pPr>
+              <a:lnSpc>
+                <a:spcPct val="150000"/>
+              </a:lnSpc>
+            </a:pPr>
+            <a:endParaRPr lang="en-GB" dirty="0"/>
+          </a:p>
+          <a:p>
+            <a:endParaRPr lang="en-GB" dirty="0"/>
+          </a:p>
+          <a:p>
+            <a:r>
+              <a:rPr lang="en-GB" dirty="0"/>
+              <a:t>High GDP &amp; Low Award</a:t>
+            </a:r>
+          </a:p>
+          <a:p>
+            <a:endParaRPr lang="en-GB" dirty="0"/>
+          </a:p>
+          <a:p>
+            <a:pPr>
+              <a:lnSpc>
+                <a:spcPct val="150000"/>
+              </a:lnSpc>
+            </a:pPr>
+            <a:endParaRPr lang="en-GB" dirty="0"/>
+          </a:p>
+          <a:p>
+            <a:r>
+              <a:rPr lang="en-GB" dirty="0"/>
+              <a:t>Low GDP Middle Award</a:t>
+            </a:r>
+          </a:p>
+          <a:p>
+            <a:endParaRPr lang="en-GB" dirty="0"/>
+          </a:p>
+          <a:p>
+            <a:endParaRPr lang="en-GB" dirty="0"/>
+          </a:p>
+          <a:p>
+            <a:r>
+              <a:rPr lang="en-GB" dirty="0"/>
+              <a:t>Middle GDP &amp; Low Award</a:t>
+            </a:r>
+          </a:p>
+        </p:txBody>
+      </p:sp>
+    </p:spTree>
+    <p:extLst>
+      <p:ext uri="{BB962C8B-B14F-4D97-AF65-F5344CB8AC3E}">
+        <p14:creationId xmlns:p14="http://schemas.microsoft.com/office/powerpoint/2010/main" val="2752117387"/>
       </p:ext>
     </p:extLst>
   </p:cSld>
